--- a/최단거리 화장실 검색_발표자료.pptx
+++ b/최단거리 화장실 검색_발표자료.pptx
@@ -5,18 +5,19 @@
     <p:sldMasterId id="2147483648" r:id="rId1"/>
   </p:sldMasterIdLst>
   <p:notesMasterIdLst>
-    <p:notesMasterId r:id="rId11"/>
+    <p:notesMasterId r:id="rId12"/>
   </p:notesMasterIdLst>
   <p:sldIdLst>
     <p:sldId id="257" r:id="rId2"/>
     <p:sldId id="261" r:id="rId3"/>
     <p:sldId id="266" r:id="rId4"/>
-    <p:sldId id="269" r:id="rId5"/>
-    <p:sldId id="264" r:id="rId6"/>
-    <p:sldId id="277" r:id="rId7"/>
-    <p:sldId id="270" r:id="rId8"/>
-    <p:sldId id="273" r:id="rId9"/>
-    <p:sldId id="262" r:id="rId10"/>
+    <p:sldId id="279" r:id="rId5"/>
+    <p:sldId id="269" r:id="rId6"/>
+    <p:sldId id="264" r:id="rId7"/>
+    <p:sldId id="277" r:id="rId8"/>
+    <p:sldId id="270" r:id="rId9"/>
+    <p:sldId id="273" r:id="rId10"/>
+    <p:sldId id="262" r:id="rId11"/>
   </p:sldIdLst>
   <p:sldSz cx="12192000" cy="6858000"/>
   <p:notesSz cx="6858000" cy="9144000"/>
@@ -205,7 +206,7 @@
           <a:p>
             <a:fld id="{35AA063C-AF4C-4851-9ACC-8279110F1336}" type="datetimeFigureOut">
               <a:rPr lang="ko-KR" altLang="en-US" smtClean="0"/>
-              <a:t>2018-09-09</a:t>
+              <a:t>2018-09-11</a:t>
             </a:fld>
             <a:endParaRPr lang="ko-KR" altLang="en-US"/>
           </a:p>
@@ -582,6 +583,98 @@
 </p:notes>
 </file>
 
+<file path=ppt/notesSlides/notesSlide2.xml><?xml version="1.0" encoding="utf-8"?>
+<p:notes xmlns:a="http://schemas.openxmlformats.org/drawingml/2006/main" xmlns:r="http://schemas.openxmlformats.org/officeDocument/2006/relationships" xmlns:p="http://schemas.openxmlformats.org/presentationml/2006/main">
+  <p:cSld>
+    <p:spTree>
+      <p:nvGrpSpPr>
+        <p:cNvPr id="1" name=""/>
+        <p:cNvGrpSpPr/>
+        <p:nvPr/>
+      </p:nvGrpSpPr>
+      <p:grpSpPr>
+        <a:xfrm>
+          <a:off x="0" y="0"/>
+          <a:ext cx="0" cy="0"/>
+          <a:chOff x="0" y="0"/>
+          <a:chExt cx="0" cy="0"/>
+        </a:xfrm>
+      </p:grpSpPr>
+      <p:sp>
+        <p:nvSpPr>
+          <p:cNvPr id="2" name="슬라이드 이미지 개체 틀 1"/>
+          <p:cNvSpPr>
+            <a:spLocks noGrp="1" noRot="1" noChangeAspect="1"/>
+          </p:cNvSpPr>
+          <p:nvPr>
+            <p:ph type="sldImg"/>
+          </p:nvPr>
+        </p:nvSpPr>
+        <p:spPr/>
+      </p:sp>
+      <p:sp>
+        <p:nvSpPr>
+          <p:cNvPr id="3" name="슬라이드 노트 개체 틀 2"/>
+          <p:cNvSpPr>
+            <a:spLocks noGrp="1"/>
+          </p:cNvSpPr>
+          <p:nvPr>
+            <p:ph type="body" idx="1"/>
+          </p:nvPr>
+        </p:nvSpPr>
+        <p:spPr/>
+        <p:txBody>
+          <a:bodyPr/>
+          <a:lstStyle/>
+          <a:p>
+            <a:r>
+              <a:rPr lang="ko-KR" altLang="en-US" dirty="0"/>
+              <a:t>이게 왜 필요한가</a:t>
+            </a:r>
+            <a:r>
+              <a:rPr lang="en-US" altLang="ko-KR" dirty="0"/>
+              <a:t>? </a:t>
+            </a:r>
+            <a:endParaRPr lang="ko-KR" altLang="en-US" dirty="0"/>
+          </a:p>
+        </p:txBody>
+      </p:sp>
+      <p:sp>
+        <p:nvSpPr>
+          <p:cNvPr id="4" name="슬라이드 번호 개체 틀 3"/>
+          <p:cNvSpPr>
+            <a:spLocks noGrp="1"/>
+          </p:cNvSpPr>
+          <p:nvPr>
+            <p:ph type="sldNum" sz="quarter" idx="10"/>
+          </p:nvPr>
+        </p:nvSpPr>
+        <p:spPr/>
+        <p:txBody>
+          <a:bodyPr/>
+          <a:lstStyle/>
+          <a:p>
+            <a:fld id="{F168AF7A-4663-4295-862E-D93637AA05C9}" type="slidenum">
+              <a:rPr lang="ko-KR" altLang="en-US" smtClean="0"/>
+              <a:t>4</a:t>
+            </a:fld>
+            <a:endParaRPr lang="ko-KR" altLang="en-US"/>
+          </a:p>
+        </p:txBody>
+      </p:sp>
+    </p:spTree>
+    <p:extLst>
+      <p:ext uri="{BB962C8B-B14F-4D97-AF65-F5344CB8AC3E}">
+        <p14:creationId xmlns:p14="http://schemas.microsoft.com/office/powerpoint/2010/main" val="3879353660"/>
+      </p:ext>
+    </p:extLst>
+  </p:cSld>
+  <p:clrMapOvr>
+    <a:masterClrMapping/>
+  </p:clrMapOvr>
+</p:notes>
+</file>
+
 <file path=ppt/slideLayouts/slideLayout1.xml><?xml version="1.0" encoding="utf-8"?>
 <p:sldLayout xmlns:a="http://schemas.openxmlformats.org/drawingml/2006/main" xmlns:r="http://schemas.openxmlformats.org/officeDocument/2006/relationships" xmlns:p="http://schemas.openxmlformats.org/presentationml/2006/main" type="title" preserve="1">
   <p:cSld name="제목 슬라이드">
@@ -729,7 +822,7 @@
           <a:p>
             <a:fld id="{1B26322F-E9E5-48AA-820E-D0B2111E9B23}" type="datetimeFigureOut">
               <a:rPr lang="ko-KR" altLang="en-US" smtClean="0"/>
-              <a:t>2018-09-09</a:t>
+              <a:t>2018-09-11</a:t>
             </a:fld>
             <a:endParaRPr lang="ko-KR" altLang="en-US"/>
           </a:p>
@@ -927,7 +1020,7 @@
           <a:p>
             <a:fld id="{1B26322F-E9E5-48AA-820E-D0B2111E9B23}" type="datetimeFigureOut">
               <a:rPr lang="ko-KR" altLang="en-US" smtClean="0"/>
-              <a:t>2018-09-09</a:t>
+              <a:t>2018-09-11</a:t>
             </a:fld>
             <a:endParaRPr lang="ko-KR" altLang="en-US"/>
           </a:p>
@@ -1135,7 +1228,7 @@
           <a:p>
             <a:fld id="{1B26322F-E9E5-48AA-820E-D0B2111E9B23}" type="datetimeFigureOut">
               <a:rPr lang="ko-KR" altLang="en-US" smtClean="0"/>
-              <a:t>2018-09-09</a:t>
+              <a:t>2018-09-11</a:t>
             </a:fld>
             <a:endParaRPr lang="ko-KR" altLang="en-US"/>
           </a:p>
@@ -1333,7 +1426,7 @@
           <a:p>
             <a:fld id="{1B26322F-E9E5-48AA-820E-D0B2111E9B23}" type="datetimeFigureOut">
               <a:rPr lang="ko-KR" altLang="en-US" smtClean="0"/>
-              <a:t>2018-09-09</a:t>
+              <a:t>2018-09-11</a:t>
             </a:fld>
             <a:endParaRPr lang="ko-KR" altLang="en-US"/>
           </a:p>
@@ -1608,7 +1701,7 @@
           <a:p>
             <a:fld id="{1B26322F-E9E5-48AA-820E-D0B2111E9B23}" type="datetimeFigureOut">
               <a:rPr lang="ko-KR" altLang="en-US" smtClean="0"/>
-              <a:t>2018-09-09</a:t>
+              <a:t>2018-09-11</a:t>
             </a:fld>
             <a:endParaRPr lang="ko-KR" altLang="en-US"/>
           </a:p>
@@ -1873,7 +1966,7 @@
           <a:p>
             <a:fld id="{1B26322F-E9E5-48AA-820E-D0B2111E9B23}" type="datetimeFigureOut">
               <a:rPr lang="ko-KR" altLang="en-US" smtClean="0"/>
-              <a:t>2018-09-09</a:t>
+              <a:t>2018-09-11</a:t>
             </a:fld>
             <a:endParaRPr lang="ko-KR" altLang="en-US"/>
           </a:p>
@@ -2285,7 +2378,7 @@
           <a:p>
             <a:fld id="{1B26322F-E9E5-48AA-820E-D0B2111E9B23}" type="datetimeFigureOut">
               <a:rPr lang="ko-KR" altLang="en-US" smtClean="0"/>
-              <a:t>2018-09-09</a:t>
+              <a:t>2018-09-11</a:t>
             </a:fld>
             <a:endParaRPr lang="ko-KR" altLang="en-US"/>
           </a:p>
@@ -2426,7 +2519,7 @@
           <a:p>
             <a:fld id="{1B26322F-E9E5-48AA-820E-D0B2111E9B23}" type="datetimeFigureOut">
               <a:rPr lang="ko-KR" altLang="en-US" smtClean="0"/>
-              <a:t>2018-09-09</a:t>
+              <a:t>2018-09-11</a:t>
             </a:fld>
             <a:endParaRPr lang="ko-KR" altLang="en-US"/>
           </a:p>
@@ -2539,7 +2632,7 @@
           <a:p>
             <a:fld id="{1B26322F-E9E5-48AA-820E-D0B2111E9B23}" type="datetimeFigureOut">
               <a:rPr lang="ko-KR" altLang="en-US" smtClean="0"/>
-              <a:t>2018-09-09</a:t>
+              <a:t>2018-09-11</a:t>
             </a:fld>
             <a:endParaRPr lang="ko-KR" altLang="en-US"/>
           </a:p>
@@ -2850,7 +2943,7 @@
           <a:p>
             <a:fld id="{1B26322F-E9E5-48AA-820E-D0B2111E9B23}" type="datetimeFigureOut">
               <a:rPr lang="ko-KR" altLang="en-US" smtClean="0"/>
-              <a:t>2018-09-09</a:t>
+              <a:t>2018-09-11</a:t>
             </a:fld>
             <a:endParaRPr lang="ko-KR" altLang="en-US"/>
           </a:p>
@@ -3138,7 +3231,7 @@
           <a:p>
             <a:fld id="{1B26322F-E9E5-48AA-820E-D0B2111E9B23}" type="datetimeFigureOut">
               <a:rPr lang="ko-KR" altLang="en-US" smtClean="0"/>
-              <a:t>2018-09-09</a:t>
+              <a:t>2018-09-11</a:t>
             </a:fld>
             <a:endParaRPr lang="ko-KR" altLang="en-US"/>
           </a:p>
@@ -3384,7 +3477,7 @@
           <a:p>
             <a:fld id="{1B26322F-E9E5-48AA-820E-D0B2111E9B23}" type="datetimeFigureOut">
               <a:rPr lang="ko-KR" altLang="en-US" smtClean="0"/>
-              <a:t>2018-09-09</a:t>
+              <a:t>2018-09-11</a:t>
             </a:fld>
             <a:endParaRPr lang="ko-KR" altLang="en-US"/>
           </a:p>
@@ -4242,6 +4335,157 @@
 </p:sld>
 </file>
 
+<file path=ppt/slides/slide10.xml><?xml version="1.0" encoding="utf-8"?>
+<p:sld xmlns:a="http://schemas.openxmlformats.org/drawingml/2006/main" xmlns:r="http://schemas.openxmlformats.org/officeDocument/2006/relationships" xmlns:p="http://schemas.openxmlformats.org/presentationml/2006/main">
+  <p:cSld>
+    <p:bg>
+      <p:bgPr>
+        <a:solidFill>
+          <a:srgbClr val="067A82"/>
+        </a:solidFill>
+        <a:effectLst/>
+      </p:bgPr>
+    </p:bg>
+    <p:spTree>
+      <p:nvGrpSpPr>
+        <p:cNvPr id="1" name=""/>
+        <p:cNvGrpSpPr/>
+        <p:nvPr/>
+      </p:nvGrpSpPr>
+      <p:grpSpPr>
+        <a:xfrm>
+          <a:off x="0" y="0"/>
+          <a:ext cx="0" cy="0"/>
+          <a:chOff x="0" y="0"/>
+          <a:chExt cx="0" cy="0"/>
+        </a:xfrm>
+      </p:grpSpPr>
+      <p:grpSp>
+        <p:nvGrpSpPr>
+          <p:cNvPr id="2" name="그룹 1">
+            <a:extLst>
+              <a:ext uri="{FF2B5EF4-FFF2-40B4-BE49-F238E27FC236}">
+                <a16:creationId xmlns:a16="http://schemas.microsoft.com/office/drawing/2014/main" id="{EB9E6836-B4B5-46AA-A3B9-0AFA6B4C26FE}"/>
+              </a:ext>
+            </a:extLst>
+          </p:cNvPr>
+          <p:cNvGrpSpPr/>
+          <p:nvPr/>
+        </p:nvGrpSpPr>
+        <p:grpSpPr>
+          <a:xfrm>
+            <a:off x="4534515" y="2801097"/>
+            <a:ext cx="3122971" cy="1542319"/>
+            <a:chOff x="4534514" y="2801097"/>
+            <a:chExt cx="3122971" cy="1542319"/>
+          </a:xfrm>
+        </p:grpSpPr>
+        <p:sp>
+          <p:nvSpPr>
+            <p:cNvPr id="9" name="TextBox 8"/>
+            <p:cNvSpPr txBox="1"/>
+            <p:nvPr/>
+          </p:nvSpPr>
+          <p:spPr>
+            <a:xfrm>
+              <a:off x="5033399" y="3881751"/>
+              <a:ext cx="2125197" cy="461665"/>
+            </a:xfrm>
+            <a:prstGeom prst="rect">
+              <a:avLst/>
+            </a:prstGeom>
+            <a:noFill/>
+          </p:spPr>
+          <p:txBody>
+            <a:bodyPr wrap="none" rtlCol="0">
+              <a:spAutoFit/>
+            </a:bodyPr>
+            <a:lstStyle/>
+            <a:p>
+              <a:pPr algn="ctr"/>
+              <a:r>
+                <a:rPr lang="en-US" altLang="ko-KR" sz="2400" dirty="0">
+                  <a:solidFill>
+                    <a:schemeClr val="bg1"/>
+                  </a:solidFill>
+                  <a:latin typeface="중앙중고딕" panose="020B0600000000000000" pitchFamily="50" charset="-127"/>
+                  <a:ea typeface="중앙중고딕" panose="020B0600000000000000" pitchFamily="50" charset="-127"/>
+                </a:rPr>
+                <a:t>THANK YOU!</a:t>
+              </a:r>
+              <a:endParaRPr lang="ko-KR" altLang="en-US" sz="2400" dirty="0">
+                <a:solidFill>
+                  <a:schemeClr val="bg1"/>
+                </a:solidFill>
+                <a:latin typeface="중앙중고딕" panose="020B0600000000000000" pitchFamily="50" charset="-127"/>
+                <a:ea typeface="중앙중고딕" panose="020B0600000000000000" pitchFamily="50" charset="-127"/>
+              </a:endParaRPr>
+            </a:p>
+          </p:txBody>
+        </p:sp>
+        <p:sp>
+          <p:nvSpPr>
+            <p:cNvPr id="4" name="TextBox 3">
+              <a:extLst>
+                <a:ext uri="{FF2B5EF4-FFF2-40B4-BE49-F238E27FC236}">
+                  <a16:creationId xmlns:a16="http://schemas.microsoft.com/office/drawing/2014/main" id="{F699C061-62A9-4DF1-B638-2937B522117F}"/>
+                </a:ext>
+              </a:extLst>
+            </p:cNvPr>
+            <p:cNvSpPr txBox="1"/>
+            <p:nvPr/>
+          </p:nvSpPr>
+          <p:spPr>
+            <a:xfrm>
+              <a:off x="4534514" y="2801097"/>
+              <a:ext cx="3122971" cy="1200329"/>
+            </a:xfrm>
+            <a:prstGeom prst="rect">
+              <a:avLst/>
+            </a:prstGeom>
+            <a:noFill/>
+          </p:spPr>
+          <p:txBody>
+            <a:bodyPr wrap="none" rtlCol="0">
+              <a:spAutoFit/>
+            </a:bodyPr>
+            <a:lstStyle/>
+            <a:p>
+              <a:pPr algn="ctr"/>
+              <a:r>
+                <a:rPr lang="en-US" altLang="ko-KR" sz="7200" dirty="0">
+                  <a:solidFill>
+                    <a:schemeClr val="bg1"/>
+                  </a:solidFill>
+                  <a:latin typeface="중앙중고딕" panose="020B0600000000000000" pitchFamily="50" charset="-127"/>
+                  <a:ea typeface="중앙중고딕" panose="020B0600000000000000" pitchFamily="50" charset="-127"/>
+                </a:rPr>
+                <a:t>Q &amp; A</a:t>
+              </a:r>
+              <a:endParaRPr lang="ko-KR" altLang="en-US" sz="7200" dirty="0">
+                <a:solidFill>
+                  <a:schemeClr val="bg1"/>
+                </a:solidFill>
+                <a:latin typeface="중앙중고딕" panose="020B0600000000000000" pitchFamily="50" charset="-127"/>
+                <a:ea typeface="중앙중고딕" panose="020B0600000000000000" pitchFamily="50" charset="-127"/>
+              </a:endParaRPr>
+            </a:p>
+          </p:txBody>
+        </p:sp>
+      </p:grpSp>
+    </p:spTree>
+    <p:extLst>
+      <p:ext uri="{BB962C8B-B14F-4D97-AF65-F5344CB8AC3E}">
+        <p14:creationId xmlns:p14="http://schemas.microsoft.com/office/powerpoint/2010/main" val="1318411599"/>
+      </p:ext>
+    </p:extLst>
+  </p:cSld>
+  <p:clrMapOvr>
+    <a:masterClrMapping/>
+  </p:clrMapOvr>
+</p:sld>
+</file>
+
 <file path=ppt/slides/slide2.xml><?xml version="1.0" encoding="utf-8"?>
 <p:sld xmlns:a="http://schemas.openxmlformats.org/drawingml/2006/main" xmlns:r="http://schemas.openxmlformats.org/officeDocument/2006/relationships" xmlns:p="http://schemas.openxmlformats.org/presentationml/2006/main">
   <p:cSld>
@@ -5273,6 +5517,612 @@
       </p:grpSpPr>
       <p:sp>
         <p:nvSpPr>
+          <p:cNvPr id="2" name="직사각형 1"/>
+          <p:cNvSpPr/>
+          <p:nvPr/>
+        </p:nvSpPr>
+        <p:spPr>
+          <a:xfrm>
+            <a:off x="0" y="0"/>
+            <a:ext cx="12192000" cy="721360"/>
+          </a:xfrm>
+          <a:prstGeom prst="rect">
+            <a:avLst/>
+          </a:prstGeom>
+          <a:solidFill>
+            <a:srgbClr val="067A82"/>
+          </a:solidFill>
+          <a:ln>
+            <a:noFill/>
+          </a:ln>
+        </p:spPr>
+        <p:style>
+          <a:lnRef idx="2">
+            <a:schemeClr val="accent1">
+              <a:shade val="50000"/>
+            </a:schemeClr>
+          </a:lnRef>
+          <a:fillRef idx="1">
+            <a:schemeClr val="accent1"/>
+          </a:fillRef>
+          <a:effectRef idx="0">
+            <a:schemeClr val="accent1"/>
+          </a:effectRef>
+          <a:fontRef idx="minor">
+            <a:schemeClr val="lt1"/>
+          </a:fontRef>
+        </p:style>
+        <p:txBody>
+          <a:bodyPr rtlCol="0" anchor="ctr"/>
+          <a:lstStyle/>
+          <a:p>
+            <a:pPr algn="ctr"/>
+            <a:endParaRPr lang="ko-KR" altLang="en-US"/>
+          </a:p>
+        </p:txBody>
+      </p:sp>
+      <p:sp>
+        <p:nvSpPr>
+          <p:cNvPr id="3" name="TextBox 2"/>
+          <p:cNvSpPr txBox="1"/>
+          <p:nvPr/>
+        </p:nvSpPr>
+        <p:spPr>
+          <a:xfrm>
+            <a:off x="656272" y="106486"/>
+            <a:ext cx="2810834" cy="461665"/>
+          </a:xfrm>
+          <a:prstGeom prst="rect">
+            <a:avLst/>
+          </a:prstGeom>
+          <a:noFill/>
+        </p:spPr>
+        <p:txBody>
+          <a:bodyPr wrap="none" rtlCol="0">
+            <a:spAutoFit/>
+          </a:bodyPr>
+          <a:lstStyle>
+            <a:defPPr>
+              <a:defRPr lang="ko-KR"/>
+            </a:defPPr>
+            <a:lvl1pPr>
+              <a:defRPr sz="2400" b="1">
+                <a:solidFill>
+                  <a:schemeClr val="tx1">
+                    <a:lumMod val="75000"/>
+                    <a:lumOff val="25000"/>
+                  </a:schemeClr>
+                </a:solidFill>
+                <a:latin typeface="KoPub돋움체 Medium" panose="00000600000000000000" pitchFamily="2" charset="-127"/>
+                <a:ea typeface="KoPub돋움체 Medium" panose="00000600000000000000" pitchFamily="2" charset="-127"/>
+              </a:defRPr>
+            </a:lvl1pPr>
+          </a:lstStyle>
+          <a:p>
+            <a:r>
+              <a:rPr lang="en-US" altLang="ko-KR" b="0" dirty="0">
+                <a:ln>
+                  <a:solidFill>
+                    <a:schemeClr val="bg1">
+                      <a:alpha val="35000"/>
+                    </a:schemeClr>
+                  </a:solidFill>
+                </a:ln>
+                <a:solidFill>
+                  <a:schemeClr val="bg1"/>
+                </a:solidFill>
+                <a:latin typeface="중앙중고딕" panose="020B0600000000000000" pitchFamily="50" charset="-127"/>
+                <a:ea typeface="중앙중고딕" panose="020B0600000000000000" pitchFamily="50" charset="-127"/>
+              </a:rPr>
+              <a:t>Problem Definition</a:t>
+            </a:r>
+          </a:p>
+        </p:txBody>
+      </p:sp>
+      <p:sp>
+        <p:nvSpPr>
+          <p:cNvPr id="8" name="타원 7"/>
+          <p:cNvSpPr/>
+          <p:nvPr/>
+        </p:nvSpPr>
+        <p:spPr>
+          <a:xfrm>
+            <a:off x="220029" y="123455"/>
+            <a:ext cx="436243" cy="409243"/>
+          </a:xfrm>
+          <a:prstGeom prst="ellipse">
+            <a:avLst/>
+          </a:prstGeom>
+          <a:solidFill>
+            <a:schemeClr val="bg1"/>
+          </a:solidFill>
+          <a:ln>
+            <a:noFill/>
+          </a:ln>
+        </p:spPr>
+        <p:style>
+          <a:lnRef idx="2">
+            <a:schemeClr val="accent1">
+              <a:shade val="50000"/>
+            </a:schemeClr>
+          </a:lnRef>
+          <a:fillRef idx="1">
+            <a:schemeClr val="accent1"/>
+          </a:fillRef>
+          <a:effectRef idx="0">
+            <a:schemeClr val="accent1"/>
+          </a:effectRef>
+          <a:fontRef idx="minor">
+            <a:schemeClr val="lt1"/>
+          </a:fontRef>
+        </p:style>
+        <p:txBody>
+          <a:bodyPr rtlCol="0" anchor="ctr"/>
+          <a:lstStyle/>
+          <a:p>
+            <a:pPr algn="ctr"/>
+            <a:endParaRPr lang="ko-KR" altLang="en-US"/>
+          </a:p>
+        </p:txBody>
+      </p:sp>
+      <p:sp>
+        <p:nvSpPr>
+          <p:cNvPr id="14" name="TextBox 13"/>
+          <p:cNvSpPr txBox="1"/>
+          <p:nvPr/>
+        </p:nvSpPr>
+        <p:spPr>
+          <a:xfrm>
+            <a:off x="220029" y="132588"/>
+            <a:ext cx="473206" cy="400110"/>
+          </a:xfrm>
+          <a:prstGeom prst="rect">
+            <a:avLst/>
+          </a:prstGeom>
+          <a:noFill/>
+        </p:spPr>
+        <p:txBody>
+          <a:bodyPr wrap="none" rtlCol="0">
+            <a:spAutoFit/>
+          </a:bodyPr>
+          <a:lstStyle>
+            <a:defPPr>
+              <a:defRPr lang="ko-KR"/>
+            </a:defPPr>
+            <a:lvl1pPr algn="ctr">
+              <a:defRPr sz="3600">
+                <a:solidFill>
+                  <a:schemeClr val="bg1"/>
+                </a:solidFill>
+                <a:latin typeface="KoPub돋움체 Bold" panose="00000800000000000000" pitchFamily="2" charset="-127"/>
+                <a:ea typeface="KoPub돋움체 Bold" panose="00000800000000000000" pitchFamily="2" charset="-127"/>
+              </a:defRPr>
+            </a:lvl1pPr>
+          </a:lstStyle>
+          <a:p>
+            <a:r>
+              <a:rPr lang="en-US" altLang="ko-KR" sz="2000">
+                <a:solidFill>
+                  <a:srgbClr val="067A82"/>
+                </a:solidFill>
+              </a:rPr>
+              <a:t>01</a:t>
+            </a:r>
+            <a:endParaRPr lang="ko-KR" altLang="en-US" sz="2000">
+              <a:solidFill>
+                <a:srgbClr val="067A82"/>
+              </a:solidFill>
+            </a:endParaRPr>
+          </a:p>
+        </p:txBody>
+      </p:sp>
+      <p:sp>
+        <p:nvSpPr>
+          <p:cNvPr id="6" name="타원 5"/>
+          <p:cNvSpPr/>
+          <p:nvPr/>
+        </p:nvSpPr>
+        <p:spPr>
+          <a:xfrm>
+            <a:off x="11650982" y="6311204"/>
+            <a:ext cx="436243" cy="436243"/>
+          </a:xfrm>
+          <a:prstGeom prst="ellipse">
+            <a:avLst/>
+          </a:prstGeom>
+          <a:solidFill>
+            <a:srgbClr val="067A82"/>
+          </a:solidFill>
+          <a:ln>
+            <a:noFill/>
+          </a:ln>
+        </p:spPr>
+        <p:style>
+          <a:lnRef idx="2">
+            <a:schemeClr val="accent1">
+              <a:shade val="50000"/>
+            </a:schemeClr>
+          </a:lnRef>
+          <a:fillRef idx="1">
+            <a:schemeClr val="accent1"/>
+          </a:fillRef>
+          <a:effectRef idx="0">
+            <a:schemeClr val="accent1"/>
+          </a:effectRef>
+          <a:fontRef idx="minor">
+            <a:schemeClr val="lt1"/>
+          </a:fontRef>
+        </p:style>
+        <p:txBody>
+          <a:bodyPr rtlCol="0" anchor="ctr"/>
+          <a:lstStyle/>
+          <a:p>
+            <a:pPr algn="ctr"/>
+            <a:endParaRPr lang="ko-KR" altLang="en-US"/>
+          </a:p>
+        </p:txBody>
+      </p:sp>
+      <p:sp>
+        <p:nvSpPr>
+          <p:cNvPr id="7" name="TextBox 6"/>
+          <p:cNvSpPr txBox="1"/>
+          <p:nvPr/>
+        </p:nvSpPr>
+        <p:spPr>
+          <a:xfrm>
+            <a:off x="11642025" y="6330254"/>
+            <a:ext cx="473206" cy="400110"/>
+          </a:xfrm>
+          <a:prstGeom prst="rect">
+            <a:avLst/>
+          </a:prstGeom>
+          <a:noFill/>
+        </p:spPr>
+        <p:txBody>
+          <a:bodyPr wrap="none" rtlCol="0">
+            <a:spAutoFit/>
+          </a:bodyPr>
+          <a:lstStyle>
+            <a:defPPr>
+              <a:defRPr lang="ko-KR"/>
+            </a:defPPr>
+            <a:lvl1pPr algn="ctr">
+              <a:defRPr sz="3600">
+                <a:solidFill>
+                  <a:schemeClr val="bg1"/>
+                </a:solidFill>
+                <a:latin typeface="KoPub돋움체 Bold" panose="00000800000000000000" pitchFamily="2" charset="-127"/>
+                <a:ea typeface="KoPub돋움체 Bold" panose="00000800000000000000" pitchFamily="2" charset="-127"/>
+              </a:defRPr>
+            </a:lvl1pPr>
+          </a:lstStyle>
+          <a:p>
+            <a:r>
+              <a:rPr lang="en-US" altLang="ko-KR" sz="2000"/>
+              <a:t>01</a:t>
+            </a:r>
+            <a:endParaRPr lang="ko-KR" altLang="en-US" sz="2000"/>
+          </a:p>
+        </p:txBody>
+      </p:sp>
+      <p:pic>
+        <p:nvPicPr>
+          <p:cNvPr id="5" name="그림 4">
+            <a:extLst>
+              <a:ext uri="{FF2B5EF4-FFF2-40B4-BE49-F238E27FC236}">
+                <a16:creationId xmlns:a16="http://schemas.microsoft.com/office/drawing/2014/main" id="{B1EE5099-0782-4A3B-B6D0-934728459103}"/>
+              </a:ext>
+            </a:extLst>
+          </p:cNvPr>
+          <p:cNvPicPr>
+            <a:picLocks noChangeAspect="1"/>
+          </p:cNvPicPr>
+          <p:nvPr/>
+        </p:nvPicPr>
+        <p:blipFill>
+          <a:blip r:embed="rId3">
+            <a:extLst>
+              <a:ext uri="{28A0092B-C50C-407E-A947-70E740481C1C}">
+                <a14:useLocalDpi xmlns:a14="http://schemas.microsoft.com/office/drawing/2010/main" val="0"/>
+              </a:ext>
+            </a:extLst>
+          </a:blip>
+          <a:stretch>
+            <a:fillRect/>
+          </a:stretch>
+        </p:blipFill>
+        <p:spPr>
+          <a:xfrm>
+            <a:off x="4759454" y="2179735"/>
+            <a:ext cx="2673092" cy="2673092"/>
+          </a:xfrm>
+          <a:prstGeom prst="rect">
+            <a:avLst/>
+          </a:prstGeom>
+        </p:spPr>
+      </p:pic>
+      <p:pic>
+        <p:nvPicPr>
+          <p:cNvPr id="10" name="그림 9">
+            <a:extLst>
+              <a:ext uri="{FF2B5EF4-FFF2-40B4-BE49-F238E27FC236}">
+                <a16:creationId xmlns:a16="http://schemas.microsoft.com/office/drawing/2014/main" id="{2AE957CF-B74F-401E-A1C3-9885B8B9EB1F}"/>
+              </a:ext>
+            </a:extLst>
+          </p:cNvPr>
+          <p:cNvPicPr>
+            <a:picLocks noChangeAspect="1"/>
+          </p:cNvPicPr>
+          <p:nvPr/>
+        </p:nvPicPr>
+        <p:blipFill>
+          <a:blip r:embed="rId4">
+            <a:extLst>
+              <a:ext uri="{28A0092B-C50C-407E-A947-70E740481C1C}">
+                <a14:useLocalDpi xmlns:a14="http://schemas.microsoft.com/office/drawing/2010/main" val="0"/>
+              </a:ext>
+            </a:extLst>
+          </a:blip>
+          <a:stretch>
+            <a:fillRect/>
+          </a:stretch>
+        </p:blipFill>
+        <p:spPr>
+          <a:xfrm>
+            <a:off x="1759065" y="2641273"/>
+            <a:ext cx="1750017" cy="1750017"/>
+          </a:xfrm>
+          <a:prstGeom prst="rect">
+            <a:avLst/>
+          </a:prstGeom>
+        </p:spPr>
+      </p:pic>
+      <p:pic>
+        <p:nvPicPr>
+          <p:cNvPr id="12" name="그림 11">
+            <a:extLst>
+              <a:ext uri="{FF2B5EF4-FFF2-40B4-BE49-F238E27FC236}">
+                <a16:creationId xmlns:a16="http://schemas.microsoft.com/office/drawing/2014/main" id="{D98B86B6-9C18-459D-8647-02C5D51ACE42}"/>
+              </a:ext>
+            </a:extLst>
+          </p:cNvPr>
+          <p:cNvPicPr>
+            <a:picLocks noChangeAspect="1"/>
+          </p:cNvPicPr>
+          <p:nvPr/>
+        </p:nvPicPr>
+        <p:blipFill>
+          <a:blip r:embed="rId5">
+            <a:extLst>
+              <a:ext uri="{28A0092B-C50C-407E-A947-70E740481C1C}">
+                <a14:useLocalDpi xmlns:a14="http://schemas.microsoft.com/office/drawing/2010/main" val="0"/>
+              </a:ext>
+            </a:extLst>
+          </a:blip>
+          <a:stretch>
+            <a:fillRect/>
+          </a:stretch>
+        </p:blipFill>
+        <p:spPr>
+          <a:xfrm>
+            <a:off x="8560632" y="2285070"/>
+            <a:ext cx="2462424" cy="2462424"/>
+          </a:xfrm>
+          <a:prstGeom prst="rect">
+            <a:avLst/>
+          </a:prstGeom>
+        </p:spPr>
+      </p:pic>
+      <p:cxnSp>
+        <p:nvCxnSpPr>
+          <p:cNvPr id="15" name="직선 연결선 14">
+            <a:extLst>
+              <a:ext uri="{FF2B5EF4-FFF2-40B4-BE49-F238E27FC236}">
+                <a16:creationId xmlns:a16="http://schemas.microsoft.com/office/drawing/2014/main" id="{19A58C1F-5F45-422C-88F1-1AADA8731B9F}"/>
+              </a:ext>
+            </a:extLst>
+          </p:cNvPr>
+          <p:cNvCxnSpPr>
+            <a:cxnSpLocks/>
+            <a:stCxn id="10" idx="3"/>
+            <a:endCxn id="5" idx="1"/>
+          </p:cNvCxnSpPr>
+          <p:nvPr/>
+        </p:nvCxnSpPr>
+        <p:spPr>
+          <a:xfrm flipV="1">
+            <a:off x="3509082" y="3516281"/>
+            <a:ext cx="1250372" cy="1"/>
+          </a:xfrm>
+          <a:prstGeom prst="line">
+            <a:avLst/>
+          </a:prstGeom>
+          <a:ln w="28575">
+            <a:solidFill>
+              <a:schemeClr val="tx1"/>
+            </a:solidFill>
+            <a:prstDash val="dash"/>
+          </a:ln>
+        </p:spPr>
+        <p:style>
+          <a:lnRef idx="1">
+            <a:schemeClr val="accent1"/>
+          </a:lnRef>
+          <a:fillRef idx="0">
+            <a:schemeClr val="accent1"/>
+          </a:fillRef>
+          <a:effectRef idx="0">
+            <a:schemeClr val="accent1"/>
+          </a:effectRef>
+          <a:fontRef idx="minor">
+            <a:schemeClr val="tx1"/>
+          </a:fontRef>
+        </p:style>
+      </p:cxnSp>
+      <p:cxnSp>
+        <p:nvCxnSpPr>
+          <p:cNvPr id="18" name="직선 연결선 17">
+            <a:extLst>
+              <a:ext uri="{FF2B5EF4-FFF2-40B4-BE49-F238E27FC236}">
+                <a16:creationId xmlns:a16="http://schemas.microsoft.com/office/drawing/2014/main" id="{574E4399-C5B7-41E6-8568-D6E60D990343}"/>
+              </a:ext>
+            </a:extLst>
+          </p:cNvPr>
+          <p:cNvCxnSpPr>
+            <a:cxnSpLocks/>
+          </p:cNvCxnSpPr>
+          <p:nvPr/>
+        </p:nvCxnSpPr>
+        <p:spPr>
+          <a:xfrm flipV="1">
+            <a:off x="7017249" y="3506757"/>
+            <a:ext cx="1361114" cy="19050"/>
+          </a:xfrm>
+          <a:prstGeom prst="line">
+            <a:avLst/>
+          </a:prstGeom>
+          <a:ln w="28575">
+            <a:solidFill>
+              <a:schemeClr val="tx1"/>
+            </a:solidFill>
+            <a:prstDash val="dash"/>
+          </a:ln>
+        </p:spPr>
+        <p:style>
+          <a:lnRef idx="1">
+            <a:schemeClr val="accent1"/>
+          </a:lnRef>
+          <a:fillRef idx="0">
+            <a:schemeClr val="accent1"/>
+          </a:fillRef>
+          <a:effectRef idx="0">
+            <a:schemeClr val="accent1"/>
+          </a:effectRef>
+          <a:fontRef idx="minor">
+            <a:schemeClr val="tx1"/>
+          </a:fontRef>
+        </p:style>
+      </p:cxnSp>
+      <p:cxnSp>
+        <p:nvCxnSpPr>
+          <p:cNvPr id="24" name="직선 연결선 23">
+            <a:extLst>
+              <a:ext uri="{FF2B5EF4-FFF2-40B4-BE49-F238E27FC236}">
+                <a16:creationId xmlns:a16="http://schemas.microsoft.com/office/drawing/2014/main" id="{83FE8187-EE79-41B6-A3A5-F46987B57F45}"/>
+              </a:ext>
+            </a:extLst>
+          </p:cNvPr>
+          <p:cNvCxnSpPr>
+            <a:cxnSpLocks/>
+          </p:cNvCxnSpPr>
+          <p:nvPr/>
+        </p:nvCxnSpPr>
+        <p:spPr>
+          <a:xfrm>
+            <a:off x="215784" y="3516282"/>
+            <a:ext cx="1336546" cy="9525"/>
+          </a:xfrm>
+          <a:prstGeom prst="line">
+            <a:avLst/>
+          </a:prstGeom>
+          <a:ln w="28575">
+            <a:solidFill>
+              <a:schemeClr val="tx1"/>
+            </a:solidFill>
+            <a:prstDash val="dash"/>
+          </a:ln>
+        </p:spPr>
+        <p:style>
+          <a:lnRef idx="1">
+            <a:schemeClr val="accent1"/>
+          </a:lnRef>
+          <a:fillRef idx="0">
+            <a:schemeClr val="accent1"/>
+          </a:fillRef>
+          <a:effectRef idx="0">
+            <a:schemeClr val="accent1"/>
+          </a:effectRef>
+          <a:fontRef idx="minor">
+            <a:schemeClr val="tx1"/>
+          </a:fontRef>
+        </p:style>
+      </p:cxnSp>
+      <p:cxnSp>
+        <p:nvCxnSpPr>
+          <p:cNvPr id="25" name="직선 연결선 24">
+            <a:extLst>
+              <a:ext uri="{FF2B5EF4-FFF2-40B4-BE49-F238E27FC236}">
+                <a16:creationId xmlns:a16="http://schemas.microsoft.com/office/drawing/2014/main" id="{7C2F5E76-B5D3-482A-BB36-BEA6ECA3CF65}"/>
+              </a:ext>
+            </a:extLst>
+          </p:cNvPr>
+          <p:cNvCxnSpPr>
+            <a:cxnSpLocks/>
+          </p:cNvCxnSpPr>
+          <p:nvPr/>
+        </p:nvCxnSpPr>
+        <p:spPr>
+          <a:xfrm flipV="1">
+            <a:off x="11023056" y="3499199"/>
+            <a:ext cx="953160" cy="17083"/>
+          </a:xfrm>
+          <a:prstGeom prst="line">
+            <a:avLst/>
+          </a:prstGeom>
+          <a:ln w="28575">
+            <a:solidFill>
+              <a:schemeClr val="tx1"/>
+            </a:solidFill>
+            <a:prstDash val="dash"/>
+          </a:ln>
+        </p:spPr>
+        <p:style>
+          <a:lnRef idx="1">
+            <a:schemeClr val="accent1"/>
+          </a:lnRef>
+          <a:fillRef idx="0">
+            <a:schemeClr val="accent1"/>
+          </a:fillRef>
+          <a:effectRef idx="0">
+            <a:schemeClr val="accent1"/>
+          </a:effectRef>
+          <a:fontRef idx="minor">
+            <a:schemeClr val="tx1"/>
+          </a:fontRef>
+        </p:style>
+      </p:cxnSp>
+    </p:spTree>
+    <p:extLst>
+      <p:ext uri="{BB962C8B-B14F-4D97-AF65-F5344CB8AC3E}">
+        <p14:creationId xmlns:p14="http://schemas.microsoft.com/office/powerpoint/2010/main" val="178868484"/>
+      </p:ext>
+    </p:extLst>
+  </p:cSld>
+  <p:clrMapOvr>
+    <a:masterClrMapping/>
+  </p:clrMapOvr>
+</p:sld>
+</file>
+
+<file path=ppt/slides/slide5.xml><?xml version="1.0" encoding="utf-8"?>
+<p:sld xmlns:a="http://schemas.openxmlformats.org/drawingml/2006/main" xmlns:r="http://schemas.openxmlformats.org/officeDocument/2006/relationships" xmlns:p="http://schemas.openxmlformats.org/presentationml/2006/main">
+  <p:cSld>
+    <p:spTree>
+      <p:nvGrpSpPr>
+        <p:cNvPr id="1" name=""/>
+        <p:cNvGrpSpPr/>
+        <p:nvPr/>
+      </p:nvGrpSpPr>
+      <p:grpSpPr>
+        <a:xfrm>
+          <a:off x="0" y="0"/>
+          <a:ext cx="0" cy="0"/>
+          <a:chOff x="0" y="0"/>
+          <a:chExt cx="0" cy="0"/>
+        </a:xfrm>
+      </p:grpSpPr>
+      <p:sp>
+        <p:nvSpPr>
           <p:cNvPr id="6" name="타원 5"/>
           <p:cNvSpPr/>
           <p:nvPr/>
@@ -5490,7 +6340,7 @@
 </p:sld>
 </file>
 
-<file path=ppt/slides/slide5.xml><?xml version="1.0" encoding="utf-8"?>
+<file path=ppt/slides/slide6.xml><?xml version="1.0" encoding="utf-8"?>
 <p:sld xmlns:a="http://schemas.openxmlformats.org/drawingml/2006/main" xmlns:r="http://schemas.openxmlformats.org/officeDocument/2006/relationships" xmlns:p="http://schemas.openxmlformats.org/presentationml/2006/main">
   <p:cSld>
     <p:spTree>
@@ -7737,7 +8587,7 @@
 </p:sld>
 </file>
 
-<file path=ppt/slides/slide6.xml><?xml version="1.0" encoding="utf-8"?>
+<file path=ppt/slides/slide7.xml><?xml version="1.0" encoding="utf-8"?>
 <p:sld xmlns:a="http://schemas.openxmlformats.org/drawingml/2006/main" xmlns:r="http://schemas.openxmlformats.org/officeDocument/2006/relationships" xmlns:p="http://schemas.openxmlformats.org/presentationml/2006/main">
   <p:cSld>
     <p:spTree>
@@ -8548,7 +9398,7 @@
 </p:sld>
 </file>
 
-<file path=ppt/slides/slide7.xml><?xml version="1.0" encoding="utf-8"?>
+<file path=ppt/slides/slide8.xml><?xml version="1.0" encoding="utf-8"?>
 <p:sld xmlns:a="http://schemas.openxmlformats.org/drawingml/2006/main" xmlns:r="http://schemas.openxmlformats.org/officeDocument/2006/relationships" xmlns:p="http://schemas.openxmlformats.org/presentationml/2006/main">
   <p:cSld>
     <p:spTree>
@@ -8758,7 +9608,7 @@
 </p:sld>
 </file>
 
-<file path=ppt/slides/slide8.xml><?xml version="1.0" encoding="utf-8"?>
+<file path=ppt/slides/slide9.xml><?xml version="1.0" encoding="utf-8"?>
 <p:sld xmlns:a="http://schemas.openxmlformats.org/drawingml/2006/main" xmlns:r="http://schemas.openxmlformats.org/officeDocument/2006/relationships" xmlns:p="http://schemas.openxmlformats.org/presentationml/2006/main">
   <p:cSld>
     <p:spTree>
@@ -9462,157 +10312,6 @@
       </p:par>
     </p:tnLst>
   </p:timing>
-</p:sld>
-</file>
-
-<file path=ppt/slides/slide9.xml><?xml version="1.0" encoding="utf-8"?>
-<p:sld xmlns:a="http://schemas.openxmlformats.org/drawingml/2006/main" xmlns:r="http://schemas.openxmlformats.org/officeDocument/2006/relationships" xmlns:p="http://schemas.openxmlformats.org/presentationml/2006/main">
-  <p:cSld>
-    <p:bg>
-      <p:bgPr>
-        <a:solidFill>
-          <a:srgbClr val="067A82"/>
-        </a:solidFill>
-        <a:effectLst/>
-      </p:bgPr>
-    </p:bg>
-    <p:spTree>
-      <p:nvGrpSpPr>
-        <p:cNvPr id="1" name=""/>
-        <p:cNvGrpSpPr/>
-        <p:nvPr/>
-      </p:nvGrpSpPr>
-      <p:grpSpPr>
-        <a:xfrm>
-          <a:off x="0" y="0"/>
-          <a:ext cx="0" cy="0"/>
-          <a:chOff x="0" y="0"/>
-          <a:chExt cx="0" cy="0"/>
-        </a:xfrm>
-      </p:grpSpPr>
-      <p:grpSp>
-        <p:nvGrpSpPr>
-          <p:cNvPr id="2" name="그룹 1">
-            <a:extLst>
-              <a:ext uri="{FF2B5EF4-FFF2-40B4-BE49-F238E27FC236}">
-                <a16:creationId xmlns:a16="http://schemas.microsoft.com/office/drawing/2014/main" id="{EB9E6836-B4B5-46AA-A3B9-0AFA6B4C26FE}"/>
-              </a:ext>
-            </a:extLst>
-          </p:cNvPr>
-          <p:cNvGrpSpPr/>
-          <p:nvPr/>
-        </p:nvGrpSpPr>
-        <p:grpSpPr>
-          <a:xfrm>
-            <a:off x="4534515" y="2801097"/>
-            <a:ext cx="3122971" cy="1542319"/>
-            <a:chOff x="4534514" y="2801097"/>
-            <a:chExt cx="3122971" cy="1542319"/>
-          </a:xfrm>
-        </p:grpSpPr>
-        <p:sp>
-          <p:nvSpPr>
-            <p:cNvPr id="9" name="TextBox 8"/>
-            <p:cNvSpPr txBox="1"/>
-            <p:nvPr/>
-          </p:nvSpPr>
-          <p:spPr>
-            <a:xfrm>
-              <a:off x="5033399" y="3881751"/>
-              <a:ext cx="2125197" cy="461665"/>
-            </a:xfrm>
-            <a:prstGeom prst="rect">
-              <a:avLst/>
-            </a:prstGeom>
-            <a:noFill/>
-          </p:spPr>
-          <p:txBody>
-            <a:bodyPr wrap="none" rtlCol="0">
-              <a:spAutoFit/>
-            </a:bodyPr>
-            <a:lstStyle/>
-            <a:p>
-              <a:pPr algn="ctr"/>
-              <a:r>
-                <a:rPr lang="en-US" altLang="ko-KR" sz="2400" dirty="0">
-                  <a:solidFill>
-                    <a:schemeClr val="bg1"/>
-                  </a:solidFill>
-                  <a:latin typeface="중앙중고딕" panose="020B0600000000000000" pitchFamily="50" charset="-127"/>
-                  <a:ea typeface="중앙중고딕" panose="020B0600000000000000" pitchFamily="50" charset="-127"/>
-                </a:rPr>
-                <a:t>THANK YOU!</a:t>
-              </a:r>
-              <a:endParaRPr lang="ko-KR" altLang="en-US" sz="2400" dirty="0">
-                <a:solidFill>
-                  <a:schemeClr val="bg1"/>
-                </a:solidFill>
-                <a:latin typeface="중앙중고딕" panose="020B0600000000000000" pitchFamily="50" charset="-127"/>
-                <a:ea typeface="중앙중고딕" panose="020B0600000000000000" pitchFamily="50" charset="-127"/>
-              </a:endParaRPr>
-            </a:p>
-          </p:txBody>
-        </p:sp>
-        <p:sp>
-          <p:nvSpPr>
-            <p:cNvPr id="4" name="TextBox 3">
-              <a:extLst>
-                <a:ext uri="{FF2B5EF4-FFF2-40B4-BE49-F238E27FC236}">
-                  <a16:creationId xmlns:a16="http://schemas.microsoft.com/office/drawing/2014/main" id="{F699C061-62A9-4DF1-B638-2937B522117F}"/>
-                </a:ext>
-              </a:extLst>
-            </p:cNvPr>
-            <p:cNvSpPr txBox="1"/>
-            <p:nvPr/>
-          </p:nvSpPr>
-          <p:spPr>
-            <a:xfrm>
-              <a:off x="4534514" y="2801097"/>
-              <a:ext cx="3122971" cy="1200329"/>
-            </a:xfrm>
-            <a:prstGeom prst="rect">
-              <a:avLst/>
-            </a:prstGeom>
-            <a:noFill/>
-          </p:spPr>
-          <p:txBody>
-            <a:bodyPr wrap="none" rtlCol="0">
-              <a:spAutoFit/>
-            </a:bodyPr>
-            <a:lstStyle/>
-            <a:p>
-              <a:pPr algn="ctr"/>
-              <a:r>
-                <a:rPr lang="en-US" altLang="ko-KR" sz="7200" dirty="0">
-                  <a:solidFill>
-                    <a:schemeClr val="bg1"/>
-                  </a:solidFill>
-                  <a:latin typeface="중앙중고딕" panose="020B0600000000000000" pitchFamily="50" charset="-127"/>
-                  <a:ea typeface="중앙중고딕" panose="020B0600000000000000" pitchFamily="50" charset="-127"/>
-                </a:rPr>
-                <a:t>Q &amp; A</a:t>
-              </a:r>
-              <a:endParaRPr lang="ko-KR" altLang="en-US" sz="7200" dirty="0">
-                <a:solidFill>
-                  <a:schemeClr val="bg1"/>
-                </a:solidFill>
-                <a:latin typeface="중앙중고딕" panose="020B0600000000000000" pitchFamily="50" charset="-127"/>
-                <a:ea typeface="중앙중고딕" panose="020B0600000000000000" pitchFamily="50" charset="-127"/>
-              </a:endParaRPr>
-            </a:p>
-          </p:txBody>
-        </p:sp>
-      </p:grpSp>
-    </p:spTree>
-    <p:extLst>
-      <p:ext uri="{BB962C8B-B14F-4D97-AF65-F5344CB8AC3E}">
-        <p14:creationId xmlns:p14="http://schemas.microsoft.com/office/powerpoint/2010/main" val="1318411599"/>
-      </p:ext>
-    </p:extLst>
-  </p:cSld>
-  <p:clrMapOvr>
-    <a:masterClrMapping/>
-  </p:clrMapOvr>
 </p:sld>
 </file>
 

--- a/최단거리 화장실 검색_발표자료.pptx
+++ b/최단거리 화장실 검색_발표자료.pptx
@@ -206,7 +206,7 @@
           <a:p>
             <a:fld id="{35AA063C-AF4C-4851-9ACC-8279110F1336}" type="datetimeFigureOut">
               <a:rPr lang="ko-KR" altLang="en-US" smtClean="0"/>
-              <a:t>2018-09-11</a:t>
+              <a:t>2018-09-16</a:t>
             </a:fld>
             <a:endParaRPr lang="ko-KR" altLang="en-US"/>
           </a:p>
@@ -822,7 +822,7 @@
           <a:p>
             <a:fld id="{1B26322F-E9E5-48AA-820E-D0B2111E9B23}" type="datetimeFigureOut">
               <a:rPr lang="ko-KR" altLang="en-US" smtClean="0"/>
-              <a:t>2018-09-11</a:t>
+              <a:t>2018-09-16</a:t>
             </a:fld>
             <a:endParaRPr lang="ko-KR" altLang="en-US"/>
           </a:p>
@@ -1020,7 +1020,7 @@
           <a:p>
             <a:fld id="{1B26322F-E9E5-48AA-820E-D0B2111E9B23}" type="datetimeFigureOut">
               <a:rPr lang="ko-KR" altLang="en-US" smtClean="0"/>
-              <a:t>2018-09-11</a:t>
+              <a:t>2018-09-16</a:t>
             </a:fld>
             <a:endParaRPr lang="ko-KR" altLang="en-US"/>
           </a:p>
@@ -1228,7 +1228,7 @@
           <a:p>
             <a:fld id="{1B26322F-E9E5-48AA-820E-D0B2111E9B23}" type="datetimeFigureOut">
               <a:rPr lang="ko-KR" altLang="en-US" smtClean="0"/>
-              <a:t>2018-09-11</a:t>
+              <a:t>2018-09-16</a:t>
             </a:fld>
             <a:endParaRPr lang="ko-KR" altLang="en-US"/>
           </a:p>
@@ -1426,7 +1426,7 @@
           <a:p>
             <a:fld id="{1B26322F-E9E5-48AA-820E-D0B2111E9B23}" type="datetimeFigureOut">
               <a:rPr lang="ko-KR" altLang="en-US" smtClean="0"/>
-              <a:t>2018-09-11</a:t>
+              <a:t>2018-09-16</a:t>
             </a:fld>
             <a:endParaRPr lang="ko-KR" altLang="en-US"/>
           </a:p>
@@ -1701,7 +1701,7 @@
           <a:p>
             <a:fld id="{1B26322F-E9E5-48AA-820E-D0B2111E9B23}" type="datetimeFigureOut">
               <a:rPr lang="ko-KR" altLang="en-US" smtClean="0"/>
-              <a:t>2018-09-11</a:t>
+              <a:t>2018-09-16</a:t>
             </a:fld>
             <a:endParaRPr lang="ko-KR" altLang="en-US"/>
           </a:p>
@@ -1966,7 +1966,7 @@
           <a:p>
             <a:fld id="{1B26322F-E9E5-48AA-820E-D0B2111E9B23}" type="datetimeFigureOut">
               <a:rPr lang="ko-KR" altLang="en-US" smtClean="0"/>
-              <a:t>2018-09-11</a:t>
+              <a:t>2018-09-16</a:t>
             </a:fld>
             <a:endParaRPr lang="ko-KR" altLang="en-US"/>
           </a:p>
@@ -2378,7 +2378,7 @@
           <a:p>
             <a:fld id="{1B26322F-E9E5-48AA-820E-D0B2111E9B23}" type="datetimeFigureOut">
               <a:rPr lang="ko-KR" altLang="en-US" smtClean="0"/>
-              <a:t>2018-09-11</a:t>
+              <a:t>2018-09-16</a:t>
             </a:fld>
             <a:endParaRPr lang="ko-KR" altLang="en-US"/>
           </a:p>
@@ -2519,7 +2519,7 @@
           <a:p>
             <a:fld id="{1B26322F-E9E5-48AA-820E-D0B2111E9B23}" type="datetimeFigureOut">
               <a:rPr lang="ko-KR" altLang="en-US" smtClean="0"/>
-              <a:t>2018-09-11</a:t>
+              <a:t>2018-09-16</a:t>
             </a:fld>
             <a:endParaRPr lang="ko-KR" altLang="en-US"/>
           </a:p>
@@ -2632,7 +2632,7 @@
           <a:p>
             <a:fld id="{1B26322F-E9E5-48AA-820E-D0B2111E9B23}" type="datetimeFigureOut">
               <a:rPr lang="ko-KR" altLang="en-US" smtClean="0"/>
-              <a:t>2018-09-11</a:t>
+              <a:t>2018-09-16</a:t>
             </a:fld>
             <a:endParaRPr lang="ko-KR" altLang="en-US"/>
           </a:p>
@@ -2943,7 +2943,7 @@
           <a:p>
             <a:fld id="{1B26322F-E9E5-48AA-820E-D0B2111E9B23}" type="datetimeFigureOut">
               <a:rPr lang="ko-KR" altLang="en-US" smtClean="0"/>
-              <a:t>2018-09-11</a:t>
+              <a:t>2018-09-16</a:t>
             </a:fld>
             <a:endParaRPr lang="ko-KR" altLang="en-US"/>
           </a:p>
@@ -3231,7 +3231,7 @@
           <a:p>
             <a:fld id="{1B26322F-E9E5-48AA-820E-D0B2111E9B23}" type="datetimeFigureOut">
               <a:rPr lang="ko-KR" altLang="en-US" smtClean="0"/>
-              <a:t>2018-09-11</a:t>
+              <a:t>2018-09-16</a:t>
             </a:fld>
             <a:endParaRPr lang="ko-KR" altLang="en-US"/>
           </a:p>
@@ -3477,7 +3477,7 @@
           <a:p>
             <a:fld id="{1B26322F-E9E5-48AA-820E-D0B2111E9B23}" type="datetimeFigureOut">
               <a:rPr lang="ko-KR" altLang="en-US" smtClean="0"/>
-              <a:t>2018-09-11</a:t>
+              <a:t>2018-09-16</a:t>
             </a:fld>
             <a:endParaRPr lang="ko-KR" altLang="en-US"/>
           </a:p>
@@ -6661,7 +6661,7 @@
         </p:nvGrpSpPr>
         <p:grpSpPr>
           <a:xfrm>
-            <a:off x="2784839" y="2249807"/>
+            <a:off x="2845051" y="6044381"/>
             <a:ext cx="5686441" cy="2532950"/>
             <a:chOff x="2258809" y="1988711"/>
             <a:chExt cx="7240206" cy="3051243"/>
